--- a/presentation.pptx
+++ b/presentation.pptx
@@ -5,43 +5,51 @@
     <p:sldMasterId id="2147483648" r:id="rId1"/>
   </p:sldMasterIdLst>
   <p:notesMasterIdLst>
-    <p:notesMasterId r:id="rId5"/>
+    <p:notesMasterId r:id="rId6"/>
   </p:notesMasterIdLst>
   <p:sldIdLst>
     <p:sldId id="256" r:id="rId2"/>
     <p:sldId id="259" r:id="rId3"/>
-    <p:sldId id="284" r:id="rId4"/>
+    <p:sldId id="260" r:id="rId4"/>
+    <p:sldId id="284" r:id="rId5"/>
   </p:sldIdLst>
   <p:sldSz cx="24384000" cy="13716000"/>
   <p:notesSz cx="6858000" cy="9144000"/>
   <p:embeddedFontLst>
     <p:embeddedFont>
       <p:font typeface="Helvetica Neue" panose="020B0604020202020204" charset="0"/>
-      <p:regular r:id="rId6"/>
-      <p:bold r:id="rId7"/>
-      <p:italic r:id="rId8"/>
-      <p:boldItalic r:id="rId9"/>
+      <p:regular r:id="rId7"/>
+      <p:bold r:id="rId8"/>
+      <p:italic r:id="rId9"/>
+      <p:boldItalic r:id="rId10"/>
     </p:embeddedFont>
     <p:embeddedFont>
       <p:font typeface="Montserrat" panose="00000500000000000000" pitchFamily="2" charset="-52"/>
-      <p:regular r:id="rId10"/>
-      <p:bold r:id="rId11"/>
-      <p:italic r:id="rId12"/>
-      <p:boldItalic r:id="rId13"/>
+      <p:regular r:id="rId11"/>
+      <p:bold r:id="rId12"/>
+      <p:italic r:id="rId13"/>
+      <p:boldItalic r:id="rId14"/>
     </p:embeddedFont>
     <p:embeddedFont>
       <p:font typeface="Open Sans" panose="020B0606030504020204" pitchFamily="34" charset="0"/>
-      <p:regular r:id="rId14"/>
-      <p:bold r:id="rId15"/>
-      <p:italic r:id="rId16"/>
-      <p:boldItalic r:id="rId17"/>
+      <p:regular r:id="rId15"/>
+      <p:bold r:id="rId16"/>
+      <p:italic r:id="rId17"/>
+      <p:boldItalic r:id="rId18"/>
     </p:embeddedFont>
     <p:embeddedFont>
       <p:font typeface="Poppins" panose="020B0604020202020204" charset="0"/>
-      <p:regular r:id="rId18"/>
-      <p:bold r:id="rId19"/>
-      <p:italic r:id="rId20"/>
-      <p:boldItalic r:id="rId21"/>
+      <p:regular r:id="rId19"/>
+      <p:bold r:id="rId20"/>
+      <p:italic r:id="rId21"/>
+      <p:boldItalic r:id="rId22"/>
+    </p:embeddedFont>
+    <p:embeddedFont>
+      <p:font typeface="Poppins Medium" panose="020B0604020202020204" charset="0"/>
+      <p:regular r:id="rId23"/>
+      <p:bold r:id="rId24"/>
+      <p:italic r:id="rId25"/>
+      <p:boldItalic r:id="rId26"/>
     </p:embeddedFont>
   </p:embeddedFontLst>
   <p:defaultTextStyle>
@@ -429,6 +437,33 @@
 </inkml:ink>
 </file>
 
+<file path=ppt/ink/ink6.xml><?xml version="1.0" encoding="utf-8"?>
+<inkml:ink xmlns:inkml="http://www.w3.org/2003/InkML">
+  <inkml:definitions>
+    <inkml:context xml:id="ctx0">
+      <inkml:inkSource xml:id="inkSrc0">
+        <inkml:traceFormat>
+          <inkml:channel name="X" type="integer" min="-2.14748E9" max="2.14748E9" units="cm"/>
+          <inkml:channel name="Y" type="integer" min="-2.14748E9" max="2.14748E9" units="cm"/>
+        </inkml:traceFormat>
+        <inkml:channelProperties>
+          <inkml:channelProperty channel="X" name="resolution" value="1000" units="1/cm"/>
+          <inkml:channelProperty channel="Y" name="resolution" value="1000" units="1/cm"/>
+        </inkml:channelProperties>
+      </inkml:inkSource>
+      <inkml:timestamp xml:id="ts0" timeString="2022-04-27T20:28:16.666"/>
+    </inkml:context>
+    <inkml:brush xml:id="br0">
+      <inkml:brushProperty name="width" value="0.35" units="cm"/>
+      <inkml:brushProperty name="height" value="0.35" units="cm"/>
+      <inkml:brushProperty name="color" value="#FFFFFF"/>
+      <inkml:brushProperty name="ignorePressure" value="1"/>
+    </inkml:brush>
+  </inkml:definitions>
+  <inkml:trace contextRef="#ctx0" brushRef="#br0">2989 106,'522'0,"-510"-1,0 0,0 2,0 0,0 0,-1 1,1 0,0 1,-1 0,1 1,-1 0,0 1,5 3,-41 10,-80 3,-1-4,-1-5,1-5,-2-4,-21-6,-228 51,172-14,185-34,0 0,0 1,1-1,-1 0,0 0,0 0,1 1,-1-1,0 0,0 0,1 1,-1-1,0 0,0 0,0 1,0-1,0 0,1 1,-1-1,0 0,0 0,0 1,0-1,0 0,0 1,0-1,0 0,0 1,0-1,0 0,0 1,0-1,-1 0,1 0,0 1,0-1,0 0,0 1,0-1,-1 0,1 0,0 1,0-1,0 0,-1 0,1 0,0 1,0-1,-1 0,1 0,0 0,0 0,-1 0,1 1,0-1,-1 0,31 4,495-2,-461 17,-85 1,-15-14,0-1,-1-1,0-2,1-2,-22-3,-78 3,-84 37,220-37,0 1,0-1,0 0,0 0,0 1,0-1,0 0,1 1,-1-1,0 0,0 0,0 1,0-1,0 0,0 1,-1-1,1 0,0 0,0 1,0-1,0 0,0 1,0-1,0 0,-1 0,1 0,0 1,0-1,0 0,0 0,-1 1,1-1,0 0,0 0,-1 0,1 0,0 0,0 1,-1-1,1 0,0 0,29 3,321-4,-1632 1,1281 0,-4 1,0 0,0 0,0-1,0 0,-1 0,1 0,0 0,0-1,0 1,0-2,0 1,0 0,0-1,0 0,0 0,1 0,-1-1,1 1,0-1,-1 0,1-1,1 1,-1-1,0 0,1 1,0-1,-3-5,7 6,1 0,0 0,0 0,-1 1,2-1,-1 1,0-1,0 1,1-1,0 1,-1 0,1 0,0 1,0-1,0 0,0 1,0 0,0 0,0 0,1 0,-1 0,0 1,1-1,-1 1,0 0,3 0,-6 0,65-8,1 3,0 3,64 6,-7 0,439-5,-262-45,-89-6,-85 46,-214 8,-250-10,194-13,0 7,-107 4,38-9,-43-35,123 27,204 22,365 6,-146-46,-364 38,-19 8,898 0,-530 45,229 12,291-59,-1729 1,2419 0,-1474-1,0 1,0 0,1 0,-1 2,0-1,0 1,-1 1,1 0,0 1,-1 0,0 0,0 1,0 0,4 4,-13-7,0-1,0 1,0-1,-1 1,1 0,0-1,-1 1,0 0,1-1,-1 1,0 0,0-1,0 1,0 0,0 0,0-1,0 1,-1 0,1-1,-1 1,1 0,-1-1,0 1,1-1,-1 1,0-1,0 1,0-1,0 0,-1 1,1-1,0 0,0 0,-1 0,1 0,-1 0,1 0,-1 0,1 0,-1-1,1 1,-1-1,0 1,1-1,-1 1,0-1,1 0,-1 0,0 0,0 0,1 0,-1 0,0-1,1 1,-1 0,-1-1,-4 2,-96 37,104-37,-1 0,0 0,1 0,-1 0,1 0,-1 0,1 0,-1 0,1 0,0 0,0 0,-1 0,1 0,0-1,0 1,0 0,0-1,0 1,0-1,0 1,0-1,0 1,0-1,0 1,0-1,0 0,0 0,0 0,0 1,1-1,-1 0,0-1,0 1,0 0,0 0,0 0,0-1,0 1,0 0,0-1,1 1,-1-1,397 0,-432 1,13 0,52 0,273-20,-46-12,-41-15,-91 41,-1010 8,1678-2,-926 32,-200 10,213-24,-91 28,209-46,0 0,0 0,0 0,0 0,0 0,0 0,0 1,0-1,0 0,0 1,0-1,0 1,0-1,0 1,0-1,0 1,0 0,0-1,0 1,1 0,-1 0,0 0,1 0,-1-1,0 1,1 0,-1 0,1 0,0 0,-1 0,1 0,0 0,0 0,-1 1,1-1,0 0,0 0,0 0,0 0,0 0,1 0,-1 0,0 0,0 0,1 0,-1 0,1 0,-1 0,1 0,-1 0,1 0,-1 0,1 0,0 0,-1-1,1 1,0 0,0 0,0-1,0 1,0-1,0 1,0 0,20 5,-1-1,1 0,1-2,-1 0,0-2,1 0,15-2,-6 1,235-2,-1039 1,626 9,1 6,0 7,-23 11,6-3,27 7,136-36,1 0,-1 0,0 0,1 0,-1 0,0 0,0 1,1-1,-1 0,0 0,0 0,1 0,-1 1,0-1,0 0,0 0,1 1,-1-1,0 0,0 0,0 1,0-1,1 0,-1 1,0-1,0 0,0 1,0-1,0 0,0 1,0-1,0 0,0 0,0 1,0-1,0 0,0 1,0-1,-1 0,1 1,0-1,0 0,0 0,0 1,0-1,-1 0,1 0,0 1,0-1,-1 0,1 0,0 0,0 1,-1-1,1 0,0 0,0 0,30 4,425-4,-1611 0,1499-2,-58-42,-82 4,-181 29,-34 5,-44 2,-104 4,76 1,0-2,0-5,-24-7,-45-5,-1 6,0 6,-43 9,62-1,50-6,1-4,1-3,-43-14,64 0,62 24,0 1,0-1,0 0,0 0,0 0,0 1,0-1,0 0,1 0,-1 1,0-1,0 0,1 0,-1 1,1-1,-1 0,1 1,-1-1,1 0,-1 1,1-1,-1 1,1-1,0 1,-1-1,1 1,0-1,-1 1,1 0,0-1,0 1,-1 0,1 0,0-1,0 1,0 0,-1 0,1 0,0 0,0 0,0 0,0 1,241-13,585 14,-1545-2,713 0,-2-1,0 1,1 0,-1 0,0 0,0 1,0 0,0 0,0 1,0-1,1 2,-1-1,1 1,-1 0,1 0,0 1,-4 3,9-6,0-1,0 1,0 0,0 0,1 0,-1 0,0 0,1 0,-1 0,0 0,1 0,-1 0,1 0,0 0,-1 0,1 0,0 0,0 1,0-1,0 0,0 0,0 0,0 0,0 1,0-1,1 0,-1 0,0 0,1 0,-1 0,1 0,-1 0,1 0,-1 0,1 0,0 0,-1 0,1 0,0 0,0 0,0-1,0 1,0 0,0-1,0 1,0-1,0 1,1 0,57 19,432-4,-115 27,-257-43,-58-2,1 3,-1 3,0 2,11 5,-34 0,-38-10,1 0,-1-1,0 1,0 0,0-1,0 1,0 0,-1 0,1-1,0 1,0 0,0-1,-1 1,1-1,0 1,0 0,-1-1,1 1,-1-1,1 1,0-1,-1 1,1-1,-1 1,1-1,-1 1,0-1,1 0,-1 1,1-1,-1 0,0 1,1-1,-1 0,0 0,1 0,-1 0,0 0,1 1,-1-1,0 0,1-1,-1 1,0 0,1 0,-1 0,0 0,1 0,-1-1,0 1,1 0,-1-1,1 1,-1 0,0-1,-359 10,233-12,-1213 2,1070 43,251-37,19-5,1 0,-1 0,0 0,0 0,0 1,1-1,-1 0,0 0,0 0,0 0,0 1,0-1,1 0,-1 0,0 1,0-1,0 0,0 0,0 0,0 1,0-1,0 0,0 0,0 1,0-1,0 0,0 0,0 1,35 0,-35-1,1431-2,-3195 2,1719 0,0 3,0 2,0 1,-36 11,80-17,0 0,0-1,1 1,-1 0,0 0,0 0,0 0,0 0,1 0,-1 0,0 1,0-1,0 0,0 0,1 1,-1-1,0 0,0 1,1-1,-1 1,0-1,1 1,-1-1,0 1,1-1,-1 1,1 0,-1-1,1 1,-1 0,1 0,0-1,-1 1,1 0,0 0,0-1,-1 1,1 0,0 0,0 0,0 0,0-1,0 1,0 0,0 0,0 0,0 0,1-1,-1 1,0 0,0 0,1 0,-1-1,1 2,40 22,-1-16,0-1,1-2,0-1,0-3,0-1,13-3,11 2,913-1,-1066 22,-47-2,0-5,-1-7,-117-9,66 0,-64 3,1687 0,-2606 0,3509 0,-1828 53,-495-53,-10-1,0 1,0 0,0 0,0 0,1 1,-1 0,0 0,0 0,0 1,0 0,0 0,-1 1,1 0,-1 0,2 1,-7-4,0 1,0 0,0 0,0 0,0-1,0 1,0 0,0 0,-1-1,1 1,0 0,0 0,-1-1,1 1,0 0,-1-1,1 1,-1-1,1 1,-1 0,1-1,-1 1,0-1,1 1,-1-1,1 1,-1-1,0 0,0 1,1-1,-1 0,0 0,1 1,-1-1,0 0,0 0,0 0,1 0,-1 0,0 0,0 0,1 0,-1 0,0-1,-49 9,-1-3,1-2,-1-2,-20-3,-9 1,-1747-2,4807 3,-4183 0,829 40,-21 24,461-62,1646-5,-3130 3,1982 0,-276-40,53-19,-163 20,-178 39,0 0,-1 0,1 0,0 0,0 0,-1-1,1 1,0 0,0 0,-1 0,1-1,0 1,0 0,0 0,-1-1,1 1,0 0,0-1,0 1,0 0,0 0,0-1,0 1,-1 0,1-1,0 1,0 0,0-1,0 1,0 0,0-1,1 1,-1 0,0-1,0 1,0 0,0 0,0-1,0 1,0 0,1-1,-1 1,0 0,0 0,0-1,1 1,-1 0,0 0,0 0,1-1,-1 1,0 0,1 0,-1 0,0 0,0 0,1-1,-1 1,-30-4,-261 3,395 2,-47 2,1-3,0-1,-1-4,1-2,-1-2,-1-3,15-7,92-31,-206 43,-752 11,376-55,32 50,1439 1,-627-50,-104 48,-718 4,15 43,21 8,-22 0,146-7,-48 44,235-79,1 3,0 2,1 2,1 2,-3 3,11-3,-1-3,0-1,-1-2,-1-2,-4-1,-37 12,16 9,66-31,-1-1,1 1,-1 0,1 0,0 0,-1 0,1 0,0 0,0 0,0 0,-1 0,1 0,0 1,1-1,-1 0,0 1,0-1,1 1,-1-1,0 1,1-1,0 1,-1-1,1 1,0 0,0-1,0 1,0 0,0-1,0 1,0-1,0 1,1 0,-1-1,1 1,-1-1,1 1,0-1,-1 1,1-1,1 1,109 41,-50-22,1-2,1-2,1-4,37 3,320 11,-240-9,1-7,96-11,-249 1,-1 0,0 2,0 2,-1 0,1 2,-1 1,0 1,-1 1,13 8,-13 4,-45-10,-58-5,71-7,-1166-4,364 5,343 51,106-51,303 16,55-16,1 0,-1-1,0 1,1 0,-1 0,0-1,1 1,-1 0,1 0,-1 0,1 0,0 0,-1 0,1-1,0 1,0 0,-1 0,1 0,0 0,0 0,0 0,0 0,0 0,1 0,-1 0,0 0,0 0,1 0,-1 0,0 0,1 0,-1 0,1 0,-1-1,1 1,-1 0,1 0,0-1,-1 1,1 0,0-1,0 1,0-1,-1 1,1-1,0 1,0-1,0 1,0-1,0 0,0 1,0-1,0 0,0 0,0 0,0 0,24 10,0-2,1 0,0-2,0 0,0-2,0-1,1-2,0 0,14-2,-25 1,1059-3,-733 4,-307 10,-50 8,-24-11,0-1,-1-2,1-2,-1-1,-35-4,11 1,-2355-1,4815 2,-3862 0,2045 0,-3384 0,4205 0,-891-52,578 53,-965-1,-337-9,-184-64,247 57,-1 6,0 6,-35 9,-10-2,-295-2,479-1,8 1,0 0,0-1,-1 0,1 0,0-1,0 1,-1-2,1 1,0 0,0-1,0 0,1-1,-1 1,0-1,-3-2,32-15,15 13,1 2,1 2,-1 1,0 2,6 2,17 0,739 0,-176-55,449 52,-769 2,-91 46,34-8,-225-30,-31-3,-40-2,-243 16,48 20,195-16,47-24,0 1,0-1,0 0,0 1,0-1,0 1,0-1,1 1,-1 0,0-1,0 1,1 0,-1-1,0 1,1 0,-1 0,1 0,-1 0,1 0,-1-1,1 1,0 0,-1 0,1 0,0 0,0 0,0 0,-1 0,1 0,0 0,1 0,-1 0,0 0,0 0,0 0,1 0,-1 0,0 0,1 0,-1 0,1 0,-1 0,1 0,-1-1,1 1,0 0,-1 0,1 0,11 4,-1 1,2-2,-1 1,0-2,1 1,-1-2,1 0,0 0,0-1,0-1,0 0,7-1,3 1,824-4,-707 4,-1991 0,3224 0,-1820 2,88 47,332-48,-1 1,1 1,0 2,0 1,0 1,1 1,0 1,-4 3,29-12,0 0,1 0,-1 0,0 0,0 0,0 1,0-1,1 0,-1 0,0 1,0-1,0 0,1 1,-1-1,0 1,1-1,-1 1,0-1,1 1,-1 0,0-1,1 1,-1 0,1-1,0 1,-1 0,1 0,-1-1,1 1,0 0,0 0,-1 0,1-1,0 1,0 0,0 0,0 0,0 0,0 0,0-1,0 1,1 0,-1 0,0 0,0 0,1-1,-1 1,0 0,1 0,-1-1,1 1,-1 0,1-1,-1 1,1 0,48 15,287-9,-192-11,196 4,-770 0,457 0,6 0</inkml:trace>
+</inkml:ink>
+</file>
+
 <file path=ppt/notesMasters/notesMaster1.xml><?xml version="1.0" encoding="utf-8"?>
 <p:notesMaster xmlns:a="http://schemas.openxmlformats.org/drawingml/2006/main" xmlns:r="http://schemas.openxmlformats.org/officeDocument/2006/relationships" xmlns:p="http://schemas.openxmlformats.org/presentationml/2006/main">
   <p:cSld>
@@ -1163,6 +1198,110 @@
 </file>
 
 <file path=ppt/notesSlides/notesSlide3.xml><?xml version="1.0" encoding="utf-8"?>
+<p:notes xmlns:a="http://schemas.openxmlformats.org/drawingml/2006/main" xmlns:r="http://schemas.openxmlformats.org/officeDocument/2006/relationships" xmlns:p="http://schemas.openxmlformats.org/presentationml/2006/main" showMasterSp="0" showMasterPhAnim="0">
+  <p:cSld>
+    <p:spTree>
+      <p:nvGrpSpPr>
+        <p:cNvPr id="1" name="Shape 125"/>
+        <p:cNvGrpSpPr/>
+        <p:nvPr/>
+      </p:nvGrpSpPr>
+      <p:grpSpPr>
+        <a:xfrm>
+          <a:off x="0" y="0"/>
+          <a:ext cx="0" cy="0"/>
+          <a:chOff x="0" y="0"/>
+          <a:chExt cx="0" cy="0"/>
+        </a:xfrm>
+      </p:grpSpPr>
+      <p:sp>
+        <p:nvSpPr>
+          <p:cNvPr id="126" name="Google Shape;126;p5:notes"/>
+          <p:cNvSpPr txBox="1">
+            <a:spLocks noGrp="1"/>
+          </p:cNvSpPr>
+          <p:nvPr>
+            <p:ph type="body" idx="1"/>
+          </p:nvPr>
+        </p:nvSpPr>
+        <p:spPr>
+          <a:xfrm>
+            <a:off x="914400" y="4343400"/>
+            <a:ext cx="5029200" cy="4114800"/>
+          </a:xfrm>
+          <a:prstGeom prst="rect">
+            <a:avLst/>
+          </a:prstGeom>
+        </p:spPr>
+        <p:txBody>
+          <a:bodyPr spcFirstLastPara="1" wrap="square" lIns="91425" tIns="45700" rIns="91425" bIns="45700" anchor="t" anchorCtr="0">
+            <a:noAutofit/>
+          </a:bodyPr>
+          <a:lstStyle/>
+          <a:p>
+            <a:pPr marL="0" lvl="0" indent="0" algn="l" rtl="0">
+              <a:spcBef>
+                <a:spcPts val="0"/>
+              </a:spcBef>
+              <a:spcAft>
+                <a:spcPts val="0"/>
+              </a:spcAft>
+              <a:buNone/>
+            </a:pPr>
+            <a:endParaRPr/>
+          </a:p>
+        </p:txBody>
+      </p:sp>
+      <p:sp>
+        <p:nvSpPr>
+          <p:cNvPr id="127" name="Google Shape;127;p5:notes"/>
+          <p:cNvSpPr>
+            <a:spLocks noGrp="1" noRot="1" noChangeAspect="1"/>
+          </p:cNvSpPr>
+          <p:nvPr>
+            <p:ph type="sldImg" idx="2"/>
+          </p:nvPr>
+        </p:nvSpPr>
+        <p:spPr>
+          <a:xfrm>
+            <a:off x="381000" y="685800"/>
+            <a:ext cx="6096000" cy="3429000"/>
+          </a:xfrm>
+          <a:custGeom>
+            <a:avLst/>
+            <a:gdLst/>
+            <a:ahLst/>
+            <a:cxnLst/>
+            <a:rect l="l" t="t" r="r" b="b"/>
+            <a:pathLst>
+              <a:path w="120000" h="120000" extrusionOk="0">
+                <a:moveTo>
+                  <a:pt x="0" y="0"/>
+                </a:moveTo>
+                <a:lnTo>
+                  <a:pt x="120000" y="0"/>
+                </a:lnTo>
+                <a:lnTo>
+                  <a:pt x="120000" y="120000"/>
+                </a:lnTo>
+                <a:lnTo>
+                  <a:pt x="0" y="120000"/>
+                </a:lnTo>
+                <a:close/>
+              </a:path>
+            </a:pathLst>
+          </a:custGeom>
+        </p:spPr>
+      </p:sp>
+    </p:spTree>
+  </p:cSld>
+  <p:clrMapOvr>
+    <a:masterClrMapping/>
+  </p:clrMapOvr>
+</p:notes>
+</file>
+
+<file path=ppt/notesSlides/notesSlide4.xml><?xml version="1.0" encoding="utf-8"?>
 <p:notes xmlns:a="http://schemas.openxmlformats.org/drawingml/2006/main" xmlns:r="http://schemas.openxmlformats.org/officeDocument/2006/relationships" xmlns:p="http://schemas.openxmlformats.org/presentationml/2006/main" showMasterSp="0" showMasterPhAnim="0">
   <p:cSld>
     <p:spTree>
@@ -2209,6 +2348,731 @@
 </p:sldLayout>
 </file>
 
+<file path=ppt/slideLayouts/slideLayout4.xml><?xml version="1.0" encoding="utf-8"?>
+<p:sldLayout xmlns:a="http://schemas.openxmlformats.org/drawingml/2006/main" xmlns:r="http://schemas.openxmlformats.org/officeDocument/2006/relationships" xmlns:p="http://schemas.openxmlformats.org/presentationml/2006/main" matchingName="Title and Content">
+  <p:cSld name="Title and Content">
+    <p:spTree>
+      <p:nvGrpSpPr>
+        <p:cNvPr id="1" name="Shape 38"/>
+        <p:cNvGrpSpPr/>
+        <p:nvPr/>
+      </p:nvGrpSpPr>
+      <p:grpSpPr>
+        <a:xfrm>
+          <a:off x="0" y="0"/>
+          <a:ext cx="0" cy="0"/>
+          <a:chOff x="0" y="0"/>
+          <a:chExt cx="0" cy="0"/>
+        </a:xfrm>
+      </p:grpSpPr>
+      <p:sp>
+        <p:nvSpPr>
+          <p:cNvPr id="39" name="Google Shape;39;p30"/>
+          <p:cNvSpPr txBox="1">
+            <a:spLocks noGrp="1"/>
+          </p:cNvSpPr>
+          <p:nvPr>
+            <p:ph type="title"/>
+          </p:nvPr>
+        </p:nvSpPr>
+        <p:spPr>
+          <a:xfrm>
+            <a:off x="2271713" y="1729334"/>
+            <a:ext cx="19504148" cy="2178050"/>
+          </a:xfrm>
+          <a:prstGeom prst="rect">
+            <a:avLst/>
+          </a:prstGeom>
+          <a:noFill/>
+          <a:ln>
+            <a:noFill/>
+          </a:ln>
+        </p:spPr>
+        <p:txBody>
+          <a:bodyPr spcFirstLastPara="1" wrap="square" lIns="38100" tIns="38100" rIns="38100" bIns="38100" anchor="t" anchorCtr="0">
+            <a:noAutofit/>
+          </a:bodyPr>
+          <a:lstStyle>
+            <a:lvl1pPr lvl="0" algn="l">
+              <a:lnSpc>
+                <a:spcPct val="100000"/>
+              </a:lnSpc>
+              <a:spcBef>
+                <a:spcPts val="0"/>
+              </a:spcBef>
+              <a:spcAft>
+                <a:spcPts val="0"/>
+              </a:spcAft>
+              <a:buSzPts val="1400"/>
+              <a:buNone/>
+              <a:defRPr b="1" i="0">
+                <a:solidFill>
+                  <a:schemeClr val="dk2"/>
+                </a:solidFill>
+                <a:latin typeface="Montserrat"/>
+                <a:ea typeface="Montserrat"/>
+                <a:cs typeface="Montserrat"/>
+                <a:sym typeface="Montserrat"/>
+              </a:defRPr>
+            </a:lvl1pPr>
+            <a:lvl2pPr lvl="1" algn="l">
+              <a:spcBef>
+                <a:spcPts val="0"/>
+              </a:spcBef>
+              <a:spcAft>
+                <a:spcPts val="0"/>
+              </a:spcAft>
+              <a:buSzPts val="1400"/>
+              <a:buNone/>
+              <a:defRPr/>
+            </a:lvl2pPr>
+            <a:lvl3pPr lvl="2" algn="l">
+              <a:spcBef>
+                <a:spcPts val="0"/>
+              </a:spcBef>
+              <a:spcAft>
+                <a:spcPts val="0"/>
+              </a:spcAft>
+              <a:buSzPts val="1400"/>
+              <a:buNone/>
+              <a:defRPr/>
+            </a:lvl3pPr>
+            <a:lvl4pPr lvl="3" algn="l">
+              <a:spcBef>
+                <a:spcPts val="0"/>
+              </a:spcBef>
+              <a:spcAft>
+                <a:spcPts val="0"/>
+              </a:spcAft>
+              <a:buSzPts val="1400"/>
+              <a:buNone/>
+              <a:defRPr/>
+            </a:lvl4pPr>
+            <a:lvl5pPr lvl="4" algn="l">
+              <a:spcBef>
+                <a:spcPts val="0"/>
+              </a:spcBef>
+              <a:spcAft>
+                <a:spcPts val="0"/>
+              </a:spcAft>
+              <a:buSzPts val="1400"/>
+              <a:buNone/>
+              <a:defRPr/>
+            </a:lvl5pPr>
+            <a:lvl6pPr lvl="5" algn="l">
+              <a:lnSpc>
+                <a:spcPct val="80000"/>
+              </a:lnSpc>
+              <a:spcBef>
+                <a:spcPts val="0"/>
+              </a:spcBef>
+              <a:spcAft>
+                <a:spcPts val="0"/>
+              </a:spcAft>
+              <a:buSzPts val="1400"/>
+              <a:buNone/>
+              <a:defRPr/>
+            </a:lvl6pPr>
+            <a:lvl7pPr lvl="6" algn="l">
+              <a:lnSpc>
+                <a:spcPct val="80000"/>
+              </a:lnSpc>
+              <a:spcBef>
+                <a:spcPts val="0"/>
+              </a:spcBef>
+              <a:spcAft>
+                <a:spcPts val="0"/>
+              </a:spcAft>
+              <a:buSzPts val="1400"/>
+              <a:buNone/>
+              <a:defRPr/>
+            </a:lvl7pPr>
+            <a:lvl8pPr lvl="7" algn="l">
+              <a:lnSpc>
+                <a:spcPct val="80000"/>
+              </a:lnSpc>
+              <a:spcBef>
+                <a:spcPts val="0"/>
+              </a:spcBef>
+              <a:spcAft>
+                <a:spcPts val="0"/>
+              </a:spcAft>
+              <a:buSzPts val="1400"/>
+              <a:buNone/>
+              <a:defRPr/>
+            </a:lvl8pPr>
+            <a:lvl9pPr lvl="8" algn="l">
+              <a:lnSpc>
+                <a:spcPct val="80000"/>
+              </a:lnSpc>
+              <a:spcBef>
+                <a:spcPts val="0"/>
+              </a:spcBef>
+              <a:spcAft>
+                <a:spcPts val="0"/>
+              </a:spcAft>
+              <a:buSzPts val="1400"/>
+              <a:buNone/>
+              <a:defRPr/>
+            </a:lvl9pPr>
+          </a:lstStyle>
+          <a:p>
+            <a:endParaRPr/>
+          </a:p>
+        </p:txBody>
+      </p:sp>
+      <p:sp>
+        <p:nvSpPr>
+          <p:cNvPr id="40" name="Google Shape;40;p30"/>
+          <p:cNvSpPr txBox="1">
+            <a:spLocks noGrp="1"/>
+          </p:cNvSpPr>
+          <p:nvPr>
+            <p:ph type="body" idx="1"/>
+          </p:nvPr>
+        </p:nvSpPr>
+        <p:spPr>
+          <a:xfrm>
+            <a:off x="2271713" y="4121696"/>
+            <a:ext cx="20477162" cy="7019925"/>
+          </a:xfrm>
+          <a:prstGeom prst="rect">
+            <a:avLst/>
+          </a:prstGeom>
+          <a:noFill/>
+          <a:ln>
+            <a:noFill/>
+          </a:ln>
+        </p:spPr>
+        <p:txBody>
+          <a:bodyPr spcFirstLastPara="1" wrap="square" lIns="38100" tIns="38100" rIns="38100" bIns="38100" anchor="t" anchorCtr="0">
+            <a:noAutofit/>
+          </a:bodyPr>
+          <a:lstStyle>
+            <a:lvl1pPr marL="457200" lvl="0" indent="-228600" algn="just">
+              <a:lnSpc>
+                <a:spcPct val="180000"/>
+              </a:lnSpc>
+              <a:spcBef>
+                <a:spcPts val="0"/>
+              </a:spcBef>
+              <a:spcAft>
+                <a:spcPts val="0"/>
+              </a:spcAft>
+              <a:buSzPts val="1400"/>
+              <a:buNone/>
+              <a:defRPr sz="2200"/>
+            </a:lvl1pPr>
+            <a:lvl2pPr marL="914400" lvl="1" indent="-228600" algn="just">
+              <a:lnSpc>
+                <a:spcPct val="180000"/>
+              </a:lnSpc>
+              <a:spcBef>
+                <a:spcPts val="0"/>
+              </a:spcBef>
+              <a:spcAft>
+                <a:spcPts val="0"/>
+              </a:spcAft>
+              <a:buSzPts val="1400"/>
+              <a:buNone/>
+              <a:defRPr sz="2200"/>
+            </a:lvl2pPr>
+            <a:lvl3pPr marL="1371600" lvl="2" indent="-228600" algn="just">
+              <a:lnSpc>
+                <a:spcPct val="180000"/>
+              </a:lnSpc>
+              <a:spcBef>
+                <a:spcPts val="0"/>
+              </a:spcBef>
+              <a:spcAft>
+                <a:spcPts val="0"/>
+              </a:spcAft>
+              <a:buSzPts val="1400"/>
+              <a:buNone/>
+              <a:defRPr sz="2200"/>
+            </a:lvl3pPr>
+            <a:lvl4pPr marL="1828800" lvl="3" indent="-228600" algn="just">
+              <a:lnSpc>
+                <a:spcPct val="180000"/>
+              </a:lnSpc>
+              <a:spcBef>
+                <a:spcPts val="0"/>
+              </a:spcBef>
+              <a:spcAft>
+                <a:spcPts val="0"/>
+              </a:spcAft>
+              <a:buSzPts val="1400"/>
+              <a:buNone/>
+              <a:defRPr sz="2200"/>
+            </a:lvl4pPr>
+            <a:lvl5pPr marL="2286000" lvl="4" indent="-228600" algn="just">
+              <a:lnSpc>
+                <a:spcPct val="180000"/>
+              </a:lnSpc>
+              <a:spcBef>
+                <a:spcPts val="0"/>
+              </a:spcBef>
+              <a:spcAft>
+                <a:spcPts val="0"/>
+              </a:spcAft>
+              <a:buSzPts val="1400"/>
+              <a:buNone/>
+              <a:defRPr sz="2200"/>
+            </a:lvl5pPr>
+            <a:lvl6pPr marL="2743200" lvl="5" indent="-342900" algn="l">
+              <a:lnSpc>
+                <a:spcPct val="90000"/>
+              </a:lnSpc>
+              <a:spcBef>
+                <a:spcPts val="500"/>
+              </a:spcBef>
+              <a:spcAft>
+                <a:spcPts val="0"/>
+              </a:spcAft>
+              <a:buClr>
+                <a:schemeClr val="lt1"/>
+              </a:buClr>
+              <a:buSzPts val="1800"/>
+              <a:buChar char="•"/>
+              <a:defRPr/>
+            </a:lvl6pPr>
+            <a:lvl7pPr marL="3200400" lvl="6" indent="-342900" algn="l">
+              <a:lnSpc>
+                <a:spcPct val="90000"/>
+              </a:lnSpc>
+              <a:spcBef>
+                <a:spcPts val="500"/>
+              </a:spcBef>
+              <a:spcAft>
+                <a:spcPts val="0"/>
+              </a:spcAft>
+              <a:buClr>
+                <a:schemeClr val="lt1"/>
+              </a:buClr>
+              <a:buSzPts val="1800"/>
+              <a:buChar char="•"/>
+              <a:defRPr/>
+            </a:lvl7pPr>
+            <a:lvl8pPr marL="3657600" lvl="7" indent="-342900" algn="l">
+              <a:lnSpc>
+                <a:spcPct val="90000"/>
+              </a:lnSpc>
+              <a:spcBef>
+                <a:spcPts val="500"/>
+              </a:spcBef>
+              <a:spcAft>
+                <a:spcPts val="0"/>
+              </a:spcAft>
+              <a:buClr>
+                <a:schemeClr val="lt1"/>
+              </a:buClr>
+              <a:buSzPts val="1800"/>
+              <a:buChar char="•"/>
+              <a:defRPr/>
+            </a:lvl8pPr>
+            <a:lvl9pPr marL="4114800" lvl="8" indent="-342900" algn="l">
+              <a:lnSpc>
+                <a:spcPct val="90000"/>
+              </a:lnSpc>
+              <a:spcBef>
+                <a:spcPts val="500"/>
+              </a:spcBef>
+              <a:spcAft>
+                <a:spcPts val="0"/>
+              </a:spcAft>
+              <a:buClr>
+                <a:schemeClr val="lt1"/>
+              </a:buClr>
+              <a:buSzPts val="1800"/>
+              <a:buChar char="•"/>
+              <a:defRPr/>
+            </a:lvl9pPr>
+          </a:lstStyle>
+          <a:p>
+            <a:endParaRPr/>
+          </a:p>
+        </p:txBody>
+      </p:sp>
+      <p:sp>
+        <p:nvSpPr>
+          <p:cNvPr id="41" name="Google Shape;41;p30"/>
+          <p:cNvSpPr txBox="1">
+            <a:spLocks noGrp="1"/>
+          </p:cNvSpPr>
+          <p:nvPr>
+            <p:ph type="sldNum" idx="12"/>
+          </p:nvPr>
+        </p:nvSpPr>
+        <p:spPr>
+          <a:xfrm>
+            <a:off x="22488525" y="12347575"/>
+            <a:ext cx="895350" cy="482600"/>
+          </a:xfrm>
+          <a:prstGeom prst="rect">
+            <a:avLst/>
+          </a:prstGeom>
+          <a:noFill/>
+          <a:ln>
+            <a:noFill/>
+          </a:ln>
+        </p:spPr>
+        <p:txBody>
+          <a:bodyPr spcFirstLastPara="1" wrap="square" lIns="91425" tIns="45700" rIns="91425" bIns="45700" anchor="t" anchorCtr="0">
+            <a:noAutofit/>
+          </a:bodyPr>
+          <a:lstStyle>
+            <a:lvl1pPr marL="0" marR="0" lvl="0" indent="0" algn="l" rtl="0">
+              <a:spcBef>
+                <a:spcPts val="0"/>
+              </a:spcBef>
+              <a:spcAft>
+                <a:spcPts val="0"/>
+              </a:spcAft>
+              <a:buNone/>
+              <a:defRPr sz="2000" b="0" i="0" u="none" strike="noStrike" cap="none">
+                <a:solidFill>
+                  <a:schemeClr val="accent2"/>
+                </a:solidFill>
+                <a:latin typeface="Montserrat"/>
+                <a:ea typeface="Montserrat"/>
+                <a:cs typeface="Montserrat"/>
+                <a:sym typeface="Montserrat"/>
+              </a:defRPr>
+            </a:lvl1pPr>
+            <a:lvl2pPr marL="0" marR="0" lvl="1" indent="0" algn="l" rtl="0">
+              <a:spcBef>
+                <a:spcPts val="0"/>
+              </a:spcBef>
+              <a:spcAft>
+                <a:spcPts val="0"/>
+              </a:spcAft>
+              <a:buNone/>
+              <a:defRPr sz="2000" b="0" i="0" u="none" strike="noStrike" cap="none">
+                <a:solidFill>
+                  <a:schemeClr val="accent2"/>
+                </a:solidFill>
+                <a:latin typeface="Montserrat"/>
+                <a:ea typeface="Montserrat"/>
+                <a:cs typeface="Montserrat"/>
+                <a:sym typeface="Montserrat"/>
+              </a:defRPr>
+            </a:lvl2pPr>
+            <a:lvl3pPr marL="0" marR="0" lvl="2" indent="0" algn="l" rtl="0">
+              <a:spcBef>
+                <a:spcPts val="0"/>
+              </a:spcBef>
+              <a:spcAft>
+                <a:spcPts val="0"/>
+              </a:spcAft>
+              <a:buNone/>
+              <a:defRPr sz="2000" b="0" i="0" u="none" strike="noStrike" cap="none">
+                <a:solidFill>
+                  <a:schemeClr val="accent2"/>
+                </a:solidFill>
+                <a:latin typeface="Montserrat"/>
+                <a:ea typeface="Montserrat"/>
+                <a:cs typeface="Montserrat"/>
+                <a:sym typeface="Montserrat"/>
+              </a:defRPr>
+            </a:lvl3pPr>
+            <a:lvl4pPr marL="0" marR="0" lvl="3" indent="0" algn="l" rtl="0">
+              <a:spcBef>
+                <a:spcPts val="0"/>
+              </a:spcBef>
+              <a:spcAft>
+                <a:spcPts val="0"/>
+              </a:spcAft>
+              <a:buNone/>
+              <a:defRPr sz="2000" b="0" i="0" u="none" strike="noStrike" cap="none">
+                <a:solidFill>
+                  <a:schemeClr val="accent2"/>
+                </a:solidFill>
+                <a:latin typeface="Montserrat"/>
+                <a:ea typeface="Montserrat"/>
+                <a:cs typeface="Montserrat"/>
+                <a:sym typeface="Montserrat"/>
+              </a:defRPr>
+            </a:lvl4pPr>
+            <a:lvl5pPr marL="0" marR="0" lvl="4" indent="0" algn="l" rtl="0">
+              <a:spcBef>
+                <a:spcPts val="0"/>
+              </a:spcBef>
+              <a:spcAft>
+                <a:spcPts val="0"/>
+              </a:spcAft>
+              <a:buNone/>
+              <a:defRPr sz="2000" b="0" i="0" u="none" strike="noStrike" cap="none">
+                <a:solidFill>
+                  <a:schemeClr val="accent2"/>
+                </a:solidFill>
+                <a:latin typeface="Montserrat"/>
+                <a:ea typeface="Montserrat"/>
+                <a:cs typeface="Montserrat"/>
+                <a:sym typeface="Montserrat"/>
+              </a:defRPr>
+            </a:lvl5pPr>
+            <a:lvl6pPr marL="0" marR="0" lvl="5" indent="0" algn="l" rtl="0">
+              <a:spcBef>
+                <a:spcPts val="0"/>
+              </a:spcBef>
+              <a:spcAft>
+                <a:spcPts val="0"/>
+              </a:spcAft>
+              <a:buNone/>
+              <a:defRPr sz="2000" b="0" i="0" u="none" strike="noStrike" cap="none">
+                <a:solidFill>
+                  <a:schemeClr val="accent2"/>
+                </a:solidFill>
+                <a:latin typeface="Montserrat"/>
+                <a:ea typeface="Montserrat"/>
+                <a:cs typeface="Montserrat"/>
+                <a:sym typeface="Montserrat"/>
+              </a:defRPr>
+            </a:lvl6pPr>
+            <a:lvl7pPr marL="0" marR="0" lvl="6" indent="0" algn="l" rtl="0">
+              <a:spcBef>
+                <a:spcPts val="0"/>
+              </a:spcBef>
+              <a:spcAft>
+                <a:spcPts val="0"/>
+              </a:spcAft>
+              <a:buNone/>
+              <a:defRPr sz="2000" b="0" i="0" u="none" strike="noStrike" cap="none">
+                <a:solidFill>
+                  <a:schemeClr val="accent2"/>
+                </a:solidFill>
+                <a:latin typeface="Montserrat"/>
+                <a:ea typeface="Montserrat"/>
+                <a:cs typeface="Montserrat"/>
+                <a:sym typeface="Montserrat"/>
+              </a:defRPr>
+            </a:lvl7pPr>
+            <a:lvl8pPr marL="0" marR="0" lvl="7" indent="0" algn="l" rtl="0">
+              <a:spcBef>
+                <a:spcPts val="0"/>
+              </a:spcBef>
+              <a:spcAft>
+                <a:spcPts val="0"/>
+              </a:spcAft>
+              <a:buNone/>
+              <a:defRPr sz="2000" b="0" i="0" u="none" strike="noStrike" cap="none">
+                <a:solidFill>
+                  <a:schemeClr val="accent2"/>
+                </a:solidFill>
+                <a:latin typeface="Montserrat"/>
+                <a:ea typeface="Montserrat"/>
+                <a:cs typeface="Montserrat"/>
+                <a:sym typeface="Montserrat"/>
+              </a:defRPr>
+            </a:lvl8pPr>
+            <a:lvl9pPr marL="0" marR="0" lvl="8" indent="0" algn="l" rtl="0">
+              <a:spcBef>
+                <a:spcPts val="0"/>
+              </a:spcBef>
+              <a:spcAft>
+                <a:spcPts val="0"/>
+              </a:spcAft>
+              <a:buNone/>
+              <a:defRPr sz="2000" b="0" i="0" u="none" strike="noStrike" cap="none">
+                <a:solidFill>
+                  <a:schemeClr val="accent2"/>
+                </a:solidFill>
+                <a:latin typeface="Montserrat"/>
+                <a:ea typeface="Montserrat"/>
+                <a:cs typeface="Montserrat"/>
+                <a:sym typeface="Montserrat"/>
+              </a:defRPr>
+            </a:lvl9pPr>
+          </a:lstStyle>
+          <a:p>
+            <a:pPr marL="0" lvl="0" indent="0" algn="l" rtl="0">
+              <a:spcBef>
+                <a:spcPts val="0"/>
+              </a:spcBef>
+              <a:spcAft>
+                <a:spcPts val="0"/>
+              </a:spcAft>
+              <a:buNone/>
+            </a:pPr>
+            <a:fld id="{00000000-1234-1234-1234-123412341234}" type="slidenum">
+              <a:rPr lang="en-US"/>
+              <a:t>‹#›</a:t>
+            </a:fld>
+            <a:endParaRPr/>
+          </a:p>
+        </p:txBody>
+      </p:sp>
+      <p:grpSp>
+        <p:nvGrpSpPr>
+          <p:cNvPr id="42" name="Google Shape;42;p30"/>
+          <p:cNvGrpSpPr/>
+          <p:nvPr/>
+        </p:nvGrpSpPr>
+        <p:grpSpPr>
+          <a:xfrm>
+            <a:off x="1966864" y="12042576"/>
+            <a:ext cx="2206145" cy="825937"/>
+            <a:chOff x="5233327" y="11805083"/>
+            <a:chExt cx="2206145" cy="825937"/>
+          </a:xfrm>
+        </p:grpSpPr>
+        <p:sp>
+          <p:nvSpPr>
+            <p:cNvPr id="43" name="Google Shape;43;p30"/>
+            <p:cNvSpPr txBox="1"/>
+            <p:nvPr/>
+          </p:nvSpPr>
+          <p:spPr>
+            <a:xfrm>
+              <a:off x="5279232" y="11805083"/>
+              <a:ext cx="2160240" cy="558931"/>
+            </a:xfrm>
+            <a:prstGeom prst="rect">
+              <a:avLst/>
+            </a:prstGeom>
+            <a:noFill/>
+            <a:ln>
+              <a:noFill/>
+            </a:ln>
+          </p:spPr>
+          <p:txBody>
+            <a:bodyPr spcFirstLastPara="1" wrap="square" lIns="38100" tIns="38100" rIns="38100" bIns="38100" anchor="t" anchorCtr="0">
+              <a:noAutofit/>
+            </a:bodyPr>
+            <a:lstStyle/>
+            <a:p>
+              <a:pPr marL="0" marR="0" lvl="0" indent="0" algn="l" rtl="0">
+                <a:spcBef>
+                  <a:spcPts val="0"/>
+                </a:spcBef>
+                <a:spcAft>
+                  <a:spcPts val="0"/>
+                </a:spcAft>
+                <a:buNone/>
+              </a:pPr>
+              <a:r>
+                <a:rPr lang="en-US" sz="2800" b="1" i="0" u="none" strike="noStrike" cap="none">
+                  <a:solidFill>
+                    <a:schemeClr val="accent2"/>
+                  </a:solidFill>
+                  <a:latin typeface="Montserrat"/>
+                  <a:ea typeface="Montserrat"/>
+                  <a:cs typeface="Montserrat"/>
+                  <a:sym typeface="Montserrat"/>
+                </a:rPr>
+                <a:t>i</a:t>
+              </a:r>
+              <a:r>
+                <a:rPr lang="en-US" sz="2800" b="1" i="0" u="none" strike="noStrike" cap="none">
+                  <a:solidFill>
+                    <a:srgbClr val="1F1F1F"/>
+                  </a:solidFill>
+                  <a:latin typeface="Montserrat"/>
+                  <a:ea typeface="Montserrat"/>
+                  <a:cs typeface="Montserrat"/>
+                  <a:sym typeface="Montserrat"/>
+                </a:rPr>
+                <a:t>DESIGN</a:t>
+              </a:r>
+              <a:endParaRPr sz="2800" b="1" i="0" u="none" strike="noStrike" cap="none">
+                <a:solidFill>
+                  <a:srgbClr val="1F1F1F"/>
+                </a:solidFill>
+                <a:latin typeface="Montserrat"/>
+                <a:ea typeface="Montserrat"/>
+                <a:cs typeface="Montserrat"/>
+                <a:sym typeface="Montserrat"/>
+              </a:endParaRPr>
+            </a:p>
+          </p:txBody>
+        </p:sp>
+        <p:sp>
+          <p:nvSpPr>
+            <p:cNvPr id="44" name="Google Shape;44;p30"/>
+            <p:cNvSpPr/>
+            <p:nvPr/>
+          </p:nvSpPr>
+          <p:spPr>
+            <a:xfrm>
+              <a:off x="5233327" y="12150889"/>
+              <a:ext cx="2206145" cy="480131"/>
+            </a:xfrm>
+            <a:prstGeom prst="rect">
+              <a:avLst/>
+            </a:prstGeom>
+            <a:noFill/>
+            <a:ln>
+              <a:noFill/>
+            </a:ln>
+          </p:spPr>
+          <p:txBody>
+            <a:bodyPr spcFirstLastPara="1" wrap="square" lIns="91425" tIns="45700" rIns="91425" bIns="45700" anchor="t" anchorCtr="0">
+              <a:spAutoFit/>
+            </a:bodyPr>
+            <a:lstStyle/>
+            <a:p>
+              <a:pPr marL="0" marR="0" lvl="0" indent="0" algn="l" rtl="0">
+                <a:lnSpc>
+                  <a:spcPct val="180000"/>
+                </a:lnSpc>
+                <a:spcBef>
+                  <a:spcPts val="0"/>
+                </a:spcBef>
+                <a:spcAft>
+                  <a:spcPts val="0"/>
+                </a:spcAft>
+                <a:buNone/>
+              </a:pPr>
+              <a:r>
+                <a:rPr lang="en-US" sz="1400" b="0" i="0" u="none" strike="noStrike" cap="none">
+                  <a:solidFill>
+                    <a:srgbClr val="1F1F1F"/>
+                  </a:solidFill>
+                  <a:latin typeface="Open Sans"/>
+                  <a:ea typeface="Open Sans"/>
+                  <a:cs typeface="Open Sans"/>
+                  <a:sym typeface="Open Sans"/>
+                </a:rPr>
+                <a:t>by HiSlide.io</a:t>
+              </a:r>
+              <a:endParaRPr sz="1400" b="0" i="0" u="none" strike="noStrike" cap="none">
+                <a:solidFill>
+                  <a:srgbClr val="1F1F1F"/>
+                </a:solidFill>
+                <a:latin typeface="Open Sans"/>
+                <a:ea typeface="Open Sans"/>
+                <a:cs typeface="Open Sans"/>
+                <a:sym typeface="Open Sans"/>
+              </a:endParaRPr>
+            </a:p>
+          </p:txBody>
+        </p:sp>
+      </p:grpSp>
+    </p:spTree>
+    <p:extLst>
+      <p:ext uri="{BB962C8B-B14F-4D97-AF65-F5344CB8AC3E}">
+        <p14:creationId xmlns:p14="http://schemas.microsoft.com/office/powerpoint/2010/main" val="3537709051"/>
+      </p:ext>
+    </p:extLst>
+  </p:cSld>
+  <p:clrMapOvr>
+    <a:masterClrMapping/>
+  </p:clrMapOvr>
+  <mc:AlternateContent xmlns:mc="http://schemas.openxmlformats.org/markup-compatibility/2006" xmlns:p14="http://schemas.microsoft.com/office/powerpoint/2010/main">
+    <mc:Choice Requires="p14">
+      <p:transition p14:dur="250">
+        <p:fade/>
+      </p:transition>
+    </mc:Choice>
+    <mc:Fallback xmlns="">
+      <p:transition>
+        <p:fade/>
+      </p:transition>
+    </mc:Fallback>
+  </mc:AlternateContent>
+</p:sldLayout>
+</file>
+
 <file path=ppt/slideMasters/slideMaster1.xml><?xml version="1.0" encoding="utf-8"?>
 <p:sldMaster xmlns:a="http://schemas.openxmlformats.org/drawingml/2006/main" xmlns:r="http://schemas.openxmlformats.org/officeDocument/2006/relationships" xmlns:p="http://schemas.openxmlformats.org/presentationml/2006/main">
   <p:cSld>
@@ -2706,6 +3570,7 @@
     <p:sldLayoutId id="2147483649" r:id="rId1"/>
     <p:sldLayoutId id="2147483651" r:id="rId2"/>
     <p:sldLayoutId id="2147483656" r:id="rId3"/>
+    <p:sldLayoutId id="2147483657" r:id="rId4"/>
   </p:sldLayoutIdLst>
   <mc:AlternateContent xmlns:mc="http://schemas.openxmlformats.org/markup-compatibility/2006" xmlns:p14="http://schemas.microsoft.com/office/powerpoint/2010/main">
     <mc:Choice Requires="p14">
@@ -3768,7 +4633,7 @@
                 <a:cs typeface="Montserrat"/>
                 <a:sym typeface="Montserrat"/>
               </a:rPr>
-              <a:t>Почему?</a:t>
+              <a:t>Почему</a:t>
             </a:r>
             <a:endParaRPr sz="10000" b="1" i="0" u="none" strike="noStrike" cap="none" dirty="0">
               <a:solidFill>
@@ -4251,6 +5116,327 @@
 </file>
 
 <file path=ppt/slides/slide3.xml><?xml version="1.0" encoding="utf-8"?>
+<p:sld xmlns:a="http://schemas.openxmlformats.org/drawingml/2006/main" xmlns:r="http://schemas.openxmlformats.org/officeDocument/2006/relationships" xmlns:p="http://schemas.openxmlformats.org/presentationml/2006/main">
+  <p:cSld>
+    <p:spTree>
+      <p:nvGrpSpPr>
+        <p:cNvPr id="1" name="Shape 128"/>
+        <p:cNvGrpSpPr/>
+        <p:nvPr/>
+      </p:nvGrpSpPr>
+      <p:grpSpPr>
+        <a:xfrm>
+          <a:off x="0" y="0"/>
+          <a:ext cx="0" cy="0"/>
+          <a:chOff x="0" y="0"/>
+          <a:chExt cx="0" cy="0"/>
+        </a:xfrm>
+      </p:grpSpPr>
+      <p:pic>
+        <p:nvPicPr>
+          <p:cNvPr id="3080" name="Picture 8" descr="смайлик класс - Создать мем - Meme-arsenal.com">
+            <a:extLst>
+              <a:ext uri="{FF2B5EF4-FFF2-40B4-BE49-F238E27FC236}">
+                <a16:creationId xmlns:a16="http://schemas.microsoft.com/office/drawing/2014/main" id="{AB0F2BEF-F569-4D71-B2C0-35CF1B397F5A}"/>
+              </a:ext>
+            </a:extLst>
+          </p:cNvPr>
+          <p:cNvPicPr>
+            <a:picLocks noChangeAspect="1" noChangeArrowheads="1"/>
+          </p:cNvPicPr>
+          <p:nvPr/>
+        </p:nvPicPr>
+        <p:blipFill>
+          <a:blip r:embed="rId3">
+            <a:extLst>
+              <a:ext uri="{28A0092B-C50C-407E-A947-70E740481C1C}">
+                <a14:useLocalDpi xmlns:a14="http://schemas.microsoft.com/office/drawing/2010/main" val="0"/>
+              </a:ext>
+            </a:extLst>
+          </a:blip>
+          <a:srcRect/>
+          <a:stretch>
+            <a:fillRect/>
+          </a:stretch>
+        </p:blipFill>
+        <p:spPr bwMode="auto">
+          <a:xfrm>
+            <a:off x="7887174" y="4043313"/>
+            <a:ext cx="8598743" cy="8598743"/>
+          </a:xfrm>
+          <a:prstGeom prst="rect">
+            <a:avLst/>
+          </a:prstGeom>
+          <a:noFill/>
+          <a:extLst>
+            <a:ext uri="{909E8E84-426E-40DD-AFC4-6F175D3DCCD1}">
+              <a14:hiddenFill xmlns:a14="http://schemas.microsoft.com/office/drawing/2010/main">
+                <a:solidFill>
+                  <a:srgbClr val="FFFFFF"/>
+                </a:solidFill>
+              </a14:hiddenFill>
+            </a:ext>
+          </a:extLst>
+        </p:spPr>
+      </p:pic>
+      <p:sp>
+        <p:nvSpPr>
+          <p:cNvPr id="129" name="Google Shape;129;p5"/>
+          <p:cNvSpPr txBox="1"/>
+          <p:nvPr/>
+        </p:nvSpPr>
+        <p:spPr>
+          <a:xfrm>
+            <a:off x="22545675" y="12449175"/>
+            <a:ext cx="895350" cy="385763"/>
+          </a:xfrm>
+          <a:prstGeom prst="rect">
+            <a:avLst/>
+          </a:prstGeom>
+          <a:noFill/>
+          <a:ln>
+            <a:noFill/>
+          </a:ln>
+        </p:spPr>
+        <p:txBody>
+          <a:bodyPr spcFirstLastPara="1" wrap="square" lIns="38100" tIns="38100" rIns="38100" bIns="38100" anchor="t" anchorCtr="0">
+            <a:spAutoFit/>
+          </a:bodyPr>
+          <a:lstStyle/>
+          <a:p>
+            <a:pPr marL="0" marR="0" lvl="0" indent="0" algn="ctr" rtl="0">
+              <a:spcBef>
+                <a:spcPts val="0"/>
+              </a:spcBef>
+              <a:spcAft>
+                <a:spcPts val="0"/>
+              </a:spcAft>
+              <a:buNone/>
+            </a:pPr>
+            <a:fld id="{00000000-1234-1234-1234-123412341234}" type="slidenum">
+              <a:rPr lang="en-US" sz="2000" b="0" i="0" u="none" strike="noStrike" cap="none">
+                <a:solidFill>
+                  <a:srgbClr val="9B9A9C"/>
+                </a:solidFill>
+                <a:latin typeface="Montserrat"/>
+                <a:ea typeface="Montserrat"/>
+                <a:cs typeface="Montserrat"/>
+                <a:sym typeface="Montserrat"/>
+              </a:rPr>
+              <a:t>3</a:t>
+            </a:fld>
+            <a:endParaRPr sz="2000" b="0" i="0" u="none" strike="noStrike" cap="none">
+              <a:solidFill>
+                <a:srgbClr val="9B9A9C"/>
+              </a:solidFill>
+              <a:latin typeface="Montserrat"/>
+              <a:ea typeface="Montserrat"/>
+              <a:cs typeface="Montserrat"/>
+              <a:sym typeface="Montserrat"/>
+            </a:endParaRPr>
+          </a:p>
+        </p:txBody>
+      </p:sp>
+      <mc:AlternateContent xmlns:mc="http://schemas.openxmlformats.org/markup-compatibility/2006" xmlns:p14="http://schemas.microsoft.com/office/powerpoint/2010/main">
+        <mc:Choice Requires="p14">
+          <p:contentPart p14:bwMode="auto" r:id="rId4">
+            <p14:nvContentPartPr>
+              <p14:cNvPr id="4" name="Рукописный ввод 3">
+                <a:extLst>
+                  <a:ext uri="{FF2B5EF4-FFF2-40B4-BE49-F238E27FC236}">
+                    <a16:creationId xmlns:a16="http://schemas.microsoft.com/office/drawing/2014/main" id="{40E58000-C633-418C-A3E6-E7E33BDD6C0F}"/>
+                  </a:ext>
+                </a:extLst>
+              </p14:cNvPr>
+              <p14:cNvContentPartPr/>
+              <p14:nvPr/>
+            </p14:nvContentPartPr>
+            <p14:xfrm>
+              <a:off x="1386544" y="12109724"/>
+              <a:ext cx="2319840" cy="637200"/>
+            </p14:xfrm>
+          </p:contentPart>
+        </mc:Choice>
+        <mc:Fallback xmlns="">
+          <p:pic>
+            <p:nvPicPr>
+              <p:cNvPr id="4" name="Рукописный ввод 3">
+                <a:extLst>
+                  <a:ext uri="{FF2B5EF4-FFF2-40B4-BE49-F238E27FC236}">
+                    <a16:creationId xmlns:a16="http://schemas.microsoft.com/office/drawing/2014/main" id="{40E58000-C633-418C-A3E6-E7E33BDD6C0F}"/>
+                  </a:ext>
+                </a:extLst>
+              </p:cNvPr>
+              <p:cNvPicPr/>
+              <p:nvPr/>
+            </p:nvPicPr>
+            <p:blipFill>
+              <a:blip r:embed="rId5"/>
+              <a:stretch>
+                <a:fillRect/>
+              </a:stretch>
+            </p:blipFill>
+            <p:spPr>
+              <a:xfrm>
+                <a:off x="1323904" y="12047084"/>
+                <a:ext cx="2445480" cy="762840"/>
+              </a:xfrm>
+              <a:prstGeom prst="rect">
+                <a:avLst/>
+              </a:prstGeom>
+            </p:spPr>
+          </p:pic>
+        </mc:Fallback>
+      </mc:AlternateContent>
+      <p:sp>
+        <p:nvSpPr>
+          <p:cNvPr id="7" name="Google Shape;116;p4">
+            <a:extLst>
+              <a:ext uri="{FF2B5EF4-FFF2-40B4-BE49-F238E27FC236}">
+                <a16:creationId xmlns:a16="http://schemas.microsoft.com/office/drawing/2014/main" id="{0B729FB4-0AD2-4427-8F48-76E62E6EAAF6}"/>
+              </a:ext>
+            </a:extLst>
+          </p:cNvPr>
+          <p:cNvSpPr txBox="1"/>
+          <p:nvPr/>
+        </p:nvSpPr>
+        <p:spPr>
+          <a:xfrm>
+            <a:off x="1386544" y="969076"/>
+            <a:ext cx="13001260" cy="1655237"/>
+          </a:xfrm>
+          <a:prstGeom prst="rect">
+            <a:avLst/>
+          </a:prstGeom>
+          <a:noFill/>
+          <a:ln>
+            <a:noFill/>
+          </a:ln>
+        </p:spPr>
+        <p:txBody>
+          <a:bodyPr spcFirstLastPara="1" wrap="square" lIns="38100" tIns="38100" rIns="38100" bIns="38100" anchor="t" anchorCtr="0">
+            <a:noAutofit/>
+          </a:bodyPr>
+          <a:lstStyle/>
+          <a:p>
+            <a:pPr lvl="0"/>
+            <a:r>
+              <a:rPr lang="ru-RU" sz="10000" b="1" i="0" u="none" strike="noStrike" cap="none" dirty="0">
+                <a:solidFill>
+                  <a:srgbClr val="76D5FF"/>
+                </a:solidFill>
+                <a:latin typeface="Montserrat"/>
+                <a:ea typeface="Montserrat"/>
+                <a:cs typeface="Montserrat"/>
+                <a:sym typeface="Montserrat"/>
+              </a:rPr>
+              <a:t>Как работает код</a:t>
+            </a:r>
+            <a:endParaRPr sz="10000" b="1" i="0" u="none" strike="noStrike" cap="none" dirty="0">
+              <a:solidFill>
+                <a:srgbClr val="76D5FF"/>
+              </a:solidFill>
+              <a:latin typeface="Montserrat"/>
+              <a:ea typeface="Montserrat"/>
+              <a:cs typeface="Montserrat"/>
+              <a:sym typeface="Montserrat"/>
+            </a:endParaRPr>
+          </a:p>
+        </p:txBody>
+      </p:sp>
+      <p:sp>
+        <p:nvSpPr>
+          <p:cNvPr id="8" name="Google Shape;117;p4">
+            <a:extLst>
+              <a:ext uri="{FF2B5EF4-FFF2-40B4-BE49-F238E27FC236}">
+                <a16:creationId xmlns:a16="http://schemas.microsoft.com/office/drawing/2014/main" id="{A0AA46AF-3CA2-4391-8BB4-18FAD88BF5E7}"/>
+              </a:ext>
+            </a:extLst>
+          </p:cNvPr>
+          <p:cNvSpPr/>
+          <p:nvPr/>
+        </p:nvSpPr>
+        <p:spPr>
+          <a:xfrm>
+            <a:off x="1386544" y="2624313"/>
+            <a:ext cx="21610912" cy="1015622"/>
+          </a:xfrm>
+          <a:prstGeom prst="rect">
+            <a:avLst/>
+          </a:prstGeom>
+          <a:noFill/>
+          <a:ln>
+            <a:noFill/>
+          </a:ln>
+        </p:spPr>
+        <p:txBody>
+          <a:bodyPr spcFirstLastPara="1" wrap="square" lIns="91425" tIns="45700" rIns="91425" bIns="45700" anchor="t" anchorCtr="0">
+            <a:spAutoFit/>
+          </a:bodyPr>
+          <a:lstStyle/>
+          <a:p>
+            <a:pPr lvl="0">
+              <a:lnSpc>
+                <a:spcPct val="150000"/>
+              </a:lnSpc>
+            </a:pPr>
+            <a:r>
+              <a:rPr lang="ru-RU" sz="2600" dirty="0">
+                <a:solidFill>
+                  <a:srgbClr val="292829"/>
+                </a:solidFill>
+                <a:latin typeface="Open Sans"/>
+                <a:ea typeface="Open Sans"/>
+                <a:cs typeface="Open Sans"/>
+                <a:sym typeface="Open Sans"/>
+              </a:rPr>
+              <a:t>	</a:t>
+            </a:r>
+            <a:r>
+              <a:rPr lang="ru-RU" sz="4000" dirty="0">
+                <a:solidFill>
+                  <a:srgbClr val="292829"/>
+                </a:solidFill>
+                <a:latin typeface="Open Sans"/>
+                <a:ea typeface="Open Sans"/>
+                <a:cs typeface="Open Sans"/>
+                <a:sym typeface="Open Sans"/>
+              </a:rPr>
+              <a:t>Сейчас Вам объяснит премногоуважаемый Александр</a:t>
+            </a:r>
+            <a:endParaRPr lang="en-US" sz="2600" b="0" i="0" u="none" strike="noStrike" cap="none" dirty="0">
+              <a:solidFill>
+                <a:srgbClr val="76D5FF"/>
+              </a:solidFill>
+              <a:latin typeface="Open Sans"/>
+              <a:ea typeface="Open Sans"/>
+              <a:cs typeface="Open Sans"/>
+              <a:sym typeface="Open Sans"/>
+            </a:endParaRPr>
+          </a:p>
+        </p:txBody>
+      </p:sp>
+    </p:spTree>
+  </p:cSld>
+  <p:clrMapOvr>
+    <a:masterClrMapping/>
+  </p:clrMapOvr>
+  <mc:AlternateContent xmlns:mc="http://schemas.openxmlformats.org/markup-compatibility/2006" xmlns:p14="http://schemas.microsoft.com/office/powerpoint/2010/main">
+    <mc:Choice Requires="p14">
+      <p:transition p14:dur="250">
+        <p:fade/>
+      </p:transition>
+    </mc:Choice>
+    <mc:Fallback xmlns="">
+      <p:transition>
+        <p:fade/>
+      </p:transition>
+    </mc:Fallback>
+  </mc:AlternateContent>
+</p:sld>
+</file>
+
+<file path=ppt/slides/slide4.xml><?xml version="1.0" encoding="utf-8"?>
 <p:sld xmlns:a="http://schemas.openxmlformats.org/drawingml/2006/main" xmlns:r="http://schemas.openxmlformats.org/officeDocument/2006/relationships" xmlns:p="http://schemas.openxmlformats.org/presentationml/2006/main">
   <p:cSld>
     <p:spTree>
